--- a/Later/Spring/4_Dependency_Injection/18/Setter Injection with Collection-List.pptx
+++ b/Later/Spring/4_Dependency_Injection/18/Setter Injection with Collection-List.pptx
@@ -196,7 +196,7 @@
           <a:p>
             <a:fld id="{62274EC6-3890-417B-9308-14EFBD00FA63}" type="datetimeFigureOut">
               <a:rPr lang="en-US" smtClean="0"/>
-              <a:t>1/12/2018</a:t>
+              <a:t>1/15/2018</a:t>
             </a:fld>
             <a:endParaRPr lang="en-US" dirty="0"/>
           </a:p>
@@ -1091,7 +1091,7 @@
             <a:fld id="{1D8BD707-D9CF-40AE-B4C6-C98DA3205C09}" type="datetimeFigureOut">
               <a:rPr lang="en-US" smtClean="0"/>
               <a:pPr/>
-              <a:t>1/12/2018</a:t>
+              <a:t>1/15/2018</a:t>
             </a:fld>
             <a:endParaRPr lang="en-US" dirty="0"/>
           </a:p>
@@ -1263,7 +1263,7 @@
             <a:fld id="{1D8BD707-D9CF-40AE-B4C6-C98DA3205C09}" type="datetimeFigureOut">
               <a:rPr lang="en-US" smtClean="0"/>
               <a:pPr/>
-              <a:t>1/12/2018</a:t>
+              <a:t>1/15/2018</a:t>
             </a:fld>
             <a:endParaRPr lang="en-US" dirty="0"/>
           </a:p>
@@ -1445,7 +1445,7 @@
             <a:fld id="{1D8BD707-D9CF-40AE-B4C6-C98DA3205C09}" type="datetimeFigureOut">
               <a:rPr lang="en-US" smtClean="0"/>
               <a:pPr/>
-              <a:t>1/12/2018</a:t>
+              <a:t>1/15/2018</a:t>
             </a:fld>
             <a:endParaRPr lang="en-US" dirty="0"/>
           </a:p>
@@ -1617,7 +1617,7 @@
             <a:fld id="{1D8BD707-D9CF-40AE-B4C6-C98DA3205C09}" type="datetimeFigureOut">
               <a:rPr lang="en-US" smtClean="0"/>
               <a:pPr/>
-              <a:t>1/12/2018</a:t>
+              <a:t>1/15/2018</a:t>
             </a:fld>
             <a:endParaRPr lang="en-US" dirty="0"/>
           </a:p>
@@ -1865,7 +1865,7 @@
             <a:fld id="{1D8BD707-D9CF-40AE-B4C6-C98DA3205C09}" type="datetimeFigureOut">
               <a:rPr lang="en-US" smtClean="0"/>
               <a:pPr/>
-              <a:t>1/12/2018</a:t>
+              <a:t>1/15/2018</a:t>
             </a:fld>
             <a:endParaRPr lang="en-US" dirty="0"/>
           </a:p>
@@ -2155,7 +2155,7 @@
             <a:fld id="{1D8BD707-D9CF-40AE-B4C6-C98DA3205C09}" type="datetimeFigureOut">
               <a:rPr lang="en-US" smtClean="0"/>
               <a:pPr/>
-              <a:t>1/12/2018</a:t>
+              <a:t>1/15/2018</a:t>
             </a:fld>
             <a:endParaRPr lang="en-US" dirty="0"/>
           </a:p>
@@ -2584,7 +2584,7 @@
             <a:fld id="{1D8BD707-D9CF-40AE-B4C6-C98DA3205C09}" type="datetimeFigureOut">
               <a:rPr lang="en-US" smtClean="0"/>
               <a:pPr/>
-              <a:t>1/12/2018</a:t>
+              <a:t>1/15/2018</a:t>
             </a:fld>
             <a:endParaRPr lang="en-US" dirty="0"/>
           </a:p>
@@ -2704,7 +2704,7 @@
             <a:fld id="{1D8BD707-D9CF-40AE-B4C6-C98DA3205C09}" type="datetimeFigureOut">
               <a:rPr lang="en-US" smtClean="0"/>
               <a:pPr/>
-              <a:t>1/12/2018</a:t>
+              <a:t>1/15/2018</a:t>
             </a:fld>
             <a:endParaRPr lang="en-US" dirty="0"/>
           </a:p>
@@ -2801,7 +2801,7 @@
             <a:fld id="{1D8BD707-D9CF-40AE-B4C6-C98DA3205C09}" type="datetimeFigureOut">
               <a:rPr lang="en-US" smtClean="0"/>
               <a:pPr/>
-              <a:t>1/12/2018</a:t>
+              <a:t>1/15/2018</a:t>
             </a:fld>
             <a:endParaRPr lang="en-US" dirty="0"/>
           </a:p>
@@ -3080,7 +3080,7 @@
             <a:fld id="{1D8BD707-D9CF-40AE-B4C6-C98DA3205C09}" type="datetimeFigureOut">
               <a:rPr lang="en-US" smtClean="0"/>
               <a:pPr/>
-              <a:t>1/12/2018</a:t>
+              <a:t>1/15/2018</a:t>
             </a:fld>
             <a:endParaRPr lang="en-US" dirty="0"/>
           </a:p>
@@ -3335,7 +3335,7 @@
             <a:fld id="{1D8BD707-D9CF-40AE-B4C6-C98DA3205C09}" type="datetimeFigureOut">
               <a:rPr lang="en-US" smtClean="0"/>
               <a:pPr/>
-              <a:t>1/12/2018</a:t>
+              <a:t>1/15/2018</a:t>
             </a:fld>
             <a:endParaRPr lang="en-US" dirty="0"/>
           </a:p>
@@ -3550,7 +3550,7 @@
             <a:fld id="{1D8BD707-D9CF-40AE-B4C6-C98DA3205C09}" type="datetimeFigureOut">
               <a:rPr lang="en-US" smtClean="0"/>
               <a:pPr/>
-              <a:t>1/12/2018</a:t>
+              <a:t>1/15/2018</a:t>
             </a:fld>
             <a:endParaRPr lang="en-US" dirty="0"/>
           </a:p>
@@ -4167,7 +4167,7 @@
         <p:spPr>
           <a:xfrm>
             <a:off x="3581400" y="27801"/>
-            <a:ext cx="2286000" cy="276999"/>
+            <a:ext cx="2438400" cy="276999"/>
           </a:xfrm>
           <a:prstGeom prst="rect">
             <a:avLst/>
@@ -4196,8 +4196,13 @@
             <a:pPr algn="ctr"/>
             <a:r>
               <a:rPr lang="en-US" sz="1200" dirty="0"/>
-              <a:t>Setter Injection with Collection</a:t>
-            </a:r>
+              <a:t>Setter Injection with </a:t>
+            </a:r>
+            <a:r>
+              <a:rPr lang="en-US" sz="1200" dirty="0" smtClean="0"/>
+              <a:t>Collection(List)</a:t>
+            </a:r>
+            <a:endParaRPr lang="en-US" sz="1200" dirty="0"/>
           </a:p>
         </p:txBody>
       </p:sp>
@@ -4411,14 +4416,14 @@
       </p:pic>
       <p:sp>
         <p:nvSpPr>
-          <p:cNvPr id="9" name="Rectangle 8"/>
+          <p:cNvPr id="7" name="Rectangle 6"/>
           <p:cNvSpPr/>
           <p:nvPr/>
         </p:nvSpPr>
         <p:spPr>
           <a:xfrm>
             <a:off x="3581400" y="27801"/>
-            <a:ext cx="2286000" cy="276999"/>
+            <a:ext cx="2438400" cy="276999"/>
           </a:xfrm>
           <a:prstGeom prst="rect">
             <a:avLst/>
@@ -4447,8 +4452,13 @@
             <a:pPr algn="ctr"/>
             <a:r>
               <a:rPr lang="en-US" sz="1200" dirty="0"/>
-              <a:t>Setter Injection with Collection</a:t>
-            </a:r>
+              <a:t>Setter Injection with </a:t>
+            </a:r>
+            <a:r>
+              <a:rPr lang="en-US" sz="1200" dirty="0" smtClean="0"/>
+              <a:t>Collection(List)</a:t>
+            </a:r>
+            <a:endParaRPr lang="en-US" sz="1200" dirty="0"/>
           </a:p>
         </p:txBody>
       </p:sp>
@@ -4825,14 +4835,14 @@
       </p:sp>
       <p:sp>
         <p:nvSpPr>
-          <p:cNvPr id="10" name="Rectangle 9"/>
+          <p:cNvPr id="9" name="Rectangle 8"/>
           <p:cNvSpPr/>
           <p:nvPr/>
         </p:nvSpPr>
         <p:spPr>
           <a:xfrm>
             <a:off x="3581400" y="27801"/>
-            <a:ext cx="2286000" cy="276999"/>
+            <a:ext cx="2438400" cy="276999"/>
           </a:xfrm>
           <a:prstGeom prst="rect">
             <a:avLst/>
@@ -4861,8 +4871,13 @@
             <a:pPr algn="ctr"/>
             <a:r>
               <a:rPr lang="en-US" sz="1200" dirty="0"/>
-              <a:t>Setter Injection with Collection</a:t>
-            </a:r>
+              <a:t>Setter Injection with </a:t>
+            </a:r>
+            <a:r>
+              <a:rPr lang="en-US" sz="1200" dirty="0" smtClean="0"/>
+              <a:t>Collection(List)</a:t>
+            </a:r>
+            <a:endParaRPr lang="en-US" sz="1200" dirty="0"/>
           </a:p>
         </p:txBody>
       </p:sp>
@@ -5600,49 +5615,6 @@
           </a:fontRef>
         </p:style>
       </p:cxnSp>
-      <p:sp>
-        <p:nvSpPr>
-          <p:cNvPr id="20" name="Rectangle 19"/>
-          <p:cNvSpPr/>
-          <p:nvPr/>
-        </p:nvSpPr>
-        <p:spPr>
-          <a:xfrm>
-            <a:off x="3581400" y="27801"/>
-            <a:ext cx="2286000" cy="276999"/>
-          </a:xfrm>
-          <a:prstGeom prst="rect">
-            <a:avLst/>
-          </a:prstGeom>
-        </p:spPr>
-        <p:style>
-          <a:lnRef idx="1">
-            <a:schemeClr val="accent4"/>
-          </a:lnRef>
-          <a:fillRef idx="3">
-            <a:schemeClr val="accent4"/>
-          </a:fillRef>
-          <a:effectRef idx="2">
-            <a:schemeClr val="accent4"/>
-          </a:effectRef>
-          <a:fontRef idx="minor">
-            <a:schemeClr val="lt1"/>
-          </a:fontRef>
-        </p:style>
-        <p:txBody>
-          <a:bodyPr wrap="square">
-            <a:spAutoFit/>
-          </a:bodyPr>
-          <a:lstStyle/>
-          <a:p>
-            <a:pPr algn="ctr"/>
-            <a:r>
-              <a:rPr lang="en-US" sz="1200" dirty="0"/>
-              <a:t>Setter Injection with Collection</a:t>
-            </a:r>
-          </a:p>
-        </p:txBody>
-      </p:sp>
       <p:pic>
         <p:nvPicPr>
           <p:cNvPr id="26" name="Picture 2"/>
@@ -5735,6 +5707,54 @@
           </a:fontRef>
         </p:style>
       </p:pic>
+      <p:sp>
+        <p:nvSpPr>
+          <p:cNvPr id="21" name="Rectangle 20"/>
+          <p:cNvSpPr/>
+          <p:nvPr/>
+        </p:nvSpPr>
+        <p:spPr>
+          <a:xfrm>
+            <a:off x="3581400" y="27801"/>
+            <a:ext cx="2438400" cy="276999"/>
+          </a:xfrm>
+          <a:prstGeom prst="rect">
+            <a:avLst/>
+          </a:prstGeom>
+        </p:spPr>
+        <p:style>
+          <a:lnRef idx="1">
+            <a:schemeClr val="accent4"/>
+          </a:lnRef>
+          <a:fillRef idx="3">
+            <a:schemeClr val="accent4"/>
+          </a:fillRef>
+          <a:effectRef idx="2">
+            <a:schemeClr val="accent4"/>
+          </a:effectRef>
+          <a:fontRef idx="minor">
+            <a:schemeClr val="lt1"/>
+          </a:fontRef>
+        </p:style>
+        <p:txBody>
+          <a:bodyPr wrap="square">
+            <a:spAutoFit/>
+          </a:bodyPr>
+          <a:lstStyle/>
+          <a:p>
+            <a:pPr algn="ctr"/>
+            <a:r>
+              <a:rPr lang="en-US" sz="1200" dirty="0"/>
+              <a:t>Setter Injection with </a:t>
+            </a:r>
+            <a:r>
+              <a:rPr lang="en-US" sz="1200" dirty="0" smtClean="0"/>
+              <a:t>Collection(List)</a:t>
+            </a:r>
+            <a:endParaRPr lang="en-US" sz="1200" dirty="0"/>
+          </a:p>
+        </p:txBody>
+      </p:sp>
     </p:spTree>
     <p:extLst>
       <p:ext uri="{BB962C8B-B14F-4D97-AF65-F5344CB8AC3E}">
@@ -6030,49 +6050,6 @@
           </a:p>
         </p:txBody>
       </p:sp>
-      <p:sp>
-        <p:nvSpPr>
-          <p:cNvPr id="9" name="Rectangle 8"/>
-          <p:cNvSpPr/>
-          <p:nvPr/>
-        </p:nvSpPr>
-        <p:spPr>
-          <a:xfrm>
-            <a:off x="3581400" y="27801"/>
-            <a:ext cx="2286000" cy="276999"/>
-          </a:xfrm>
-          <a:prstGeom prst="rect">
-            <a:avLst/>
-          </a:prstGeom>
-        </p:spPr>
-        <p:style>
-          <a:lnRef idx="1">
-            <a:schemeClr val="accent4"/>
-          </a:lnRef>
-          <a:fillRef idx="3">
-            <a:schemeClr val="accent4"/>
-          </a:fillRef>
-          <a:effectRef idx="2">
-            <a:schemeClr val="accent4"/>
-          </a:effectRef>
-          <a:fontRef idx="minor">
-            <a:schemeClr val="lt1"/>
-          </a:fontRef>
-        </p:style>
-        <p:txBody>
-          <a:bodyPr wrap="square">
-            <a:spAutoFit/>
-          </a:bodyPr>
-          <a:lstStyle/>
-          <a:p>
-            <a:pPr algn="ctr"/>
-            <a:r>
-              <a:rPr lang="en-US" sz="1200" dirty="0"/>
-              <a:t>Setter Injection with Collection</a:t>
-            </a:r>
-          </a:p>
-        </p:txBody>
-      </p:sp>
       <p:pic>
         <p:nvPicPr>
           <p:cNvPr id="6" name="Picture 2"/>
@@ -6165,6 +6142,54 @@
           </a:fontRef>
         </p:style>
       </p:pic>
+      <p:sp>
+        <p:nvSpPr>
+          <p:cNvPr id="8" name="Rectangle 7"/>
+          <p:cNvSpPr/>
+          <p:nvPr/>
+        </p:nvSpPr>
+        <p:spPr>
+          <a:xfrm>
+            <a:off x="3581400" y="27801"/>
+            <a:ext cx="2438400" cy="276999"/>
+          </a:xfrm>
+          <a:prstGeom prst="rect">
+            <a:avLst/>
+          </a:prstGeom>
+        </p:spPr>
+        <p:style>
+          <a:lnRef idx="1">
+            <a:schemeClr val="accent4"/>
+          </a:lnRef>
+          <a:fillRef idx="3">
+            <a:schemeClr val="accent4"/>
+          </a:fillRef>
+          <a:effectRef idx="2">
+            <a:schemeClr val="accent4"/>
+          </a:effectRef>
+          <a:fontRef idx="minor">
+            <a:schemeClr val="lt1"/>
+          </a:fontRef>
+        </p:style>
+        <p:txBody>
+          <a:bodyPr wrap="square">
+            <a:spAutoFit/>
+          </a:bodyPr>
+          <a:lstStyle/>
+          <a:p>
+            <a:pPr algn="ctr"/>
+            <a:r>
+              <a:rPr lang="en-US" sz="1200" dirty="0"/>
+              <a:t>Setter Injection with </a:t>
+            </a:r>
+            <a:r>
+              <a:rPr lang="en-US" sz="1200" dirty="0" smtClean="0"/>
+              <a:t>Collection(List)</a:t>
+            </a:r>
+            <a:endParaRPr lang="en-US" sz="1200" dirty="0"/>
+          </a:p>
+        </p:txBody>
+      </p:sp>
     </p:spTree>
     <p:extLst>
       <p:ext uri="{BB962C8B-B14F-4D97-AF65-F5344CB8AC3E}">
